--- a/Material für Abschlusspräsentation/Präsentationsvorlage für Maxi.pptx
+++ b/Material für Abschlusspräsentation/Präsentationsvorlage für Maxi.pptx
@@ -5,11 +5,12 @@
     <p:sldMasterId id="2147483648" r:id="rId1"/>
   </p:sldMasterIdLst>
   <p:notesMasterIdLst>
-    <p:notesMasterId r:id="rId4"/>
+    <p:notesMasterId r:id="rId5"/>
   </p:notesMasterIdLst>
   <p:sldIdLst>
     <p:sldId id="257" r:id="rId2"/>
     <p:sldId id="259" r:id="rId3"/>
+    <p:sldId id="260" r:id="rId4"/>
   </p:sldIdLst>
   <p:sldSz cx="12192000" cy="6858000"/>
   <p:notesSz cx="6858000" cy="9144000"/>
@@ -3226,6 +3227,358 @@
     <p:extLst>
       <p:ext uri="{BB962C8B-B14F-4D97-AF65-F5344CB8AC3E}">
         <p14:creationId xmlns:p14="http://schemas.microsoft.com/office/powerpoint/2010/main" val="4133584170"/>
+      </p:ext>
+    </p:extLst>
+  </p:cSld>
+  <p:clrMapOvr>
+    <a:masterClrMapping/>
+  </p:clrMapOvr>
+  <p:transition spd="slow">
+    <p:push dir="u"/>
+  </p:transition>
+  <p:timing>
+    <p:tnLst>
+      <p:par>
+        <p:cTn id="1" dur="indefinite" restart="never" nodeType="tmRoot">
+          <p:childTnLst>
+            <p:seq concurrent="1" nextAc="seek">
+              <p:cTn id="2" dur="indefinite" nodeType="mainSeq">
+                <p:childTnLst>
+                  <p:par>
+                    <p:cTn id="3" fill="hold">
+                      <p:stCondLst>
+                        <p:cond delay="indefinite"/>
+                        <p:cond evt="onBegin" delay="0">
+                          <p:tn val="2"/>
+                        </p:cond>
+                      </p:stCondLst>
+                      <p:childTnLst>
+                        <p:par>
+                          <p:cTn id="4" fill="hold">
+                            <p:stCondLst>
+                              <p:cond delay="0"/>
+                            </p:stCondLst>
+                            <p:childTnLst>
+                              <p:par>
+                                <p:cTn id="5" presetID="10" presetClass="entr" presetSubtype="0" fill="hold" grpId="0" nodeType="withEffect">
+                                  <p:stCondLst>
+                                    <p:cond delay="0"/>
+                                  </p:stCondLst>
+                                  <p:childTnLst>
+                                    <p:set>
+                                      <p:cBhvr>
+                                        <p:cTn id="6" dur="1" fill="hold">
+                                          <p:stCondLst>
+                                            <p:cond delay="0"/>
+                                          </p:stCondLst>
+                                        </p:cTn>
+                                        <p:tgtEl>
+                                          <p:spTgt spid="2"/>
+                                        </p:tgtEl>
+                                        <p:attrNameLst>
+                                          <p:attrName>style.visibility</p:attrName>
+                                        </p:attrNameLst>
+                                      </p:cBhvr>
+                                      <p:to>
+                                        <p:strVal val="visible"/>
+                                      </p:to>
+                                    </p:set>
+                                    <p:animEffect transition="in" filter="fade">
+                                      <p:cBhvr>
+                                        <p:cTn id="7" dur="500"/>
+                                        <p:tgtEl>
+                                          <p:spTgt spid="2"/>
+                                        </p:tgtEl>
+                                      </p:cBhvr>
+                                    </p:animEffect>
+                                  </p:childTnLst>
+                                </p:cTn>
+                              </p:par>
+                            </p:childTnLst>
+                          </p:cTn>
+                        </p:par>
+                      </p:childTnLst>
+                    </p:cTn>
+                  </p:par>
+                </p:childTnLst>
+              </p:cTn>
+              <p:prevCondLst>
+                <p:cond evt="onPrev" delay="0">
+                  <p:tgtEl>
+                    <p:sldTgt/>
+                  </p:tgtEl>
+                </p:cond>
+              </p:prevCondLst>
+              <p:nextCondLst>
+                <p:cond evt="onNext" delay="0">
+                  <p:tgtEl>
+                    <p:sldTgt/>
+                  </p:tgtEl>
+                </p:cond>
+              </p:nextCondLst>
+            </p:seq>
+          </p:childTnLst>
+        </p:cTn>
+      </p:par>
+    </p:tnLst>
+    <p:bldLst>
+      <p:bldP spid="2" grpId="0"/>
+    </p:bldLst>
+  </p:timing>
+</p:sld>
+</file>
+
+<file path=ppt/slides/slide3.xml><?xml version="1.0" encoding="utf-8"?>
+<p:sld xmlns:a="http://schemas.openxmlformats.org/drawingml/2006/main" xmlns:r="http://schemas.openxmlformats.org/officeDocument/2006/relationships" xmlns:p="http://schemas.openxmlformats.org/presentationml/2006/main">
+  <p:cSld>
+    <p:spTree>
+      <p:nvGrpSpPr>
+        <p:cNvPr id="1" name=""/>
+        <p:cNvGrpSpPr/>
+        <p:nvPr/>
+      </p:nvGrpSpPr>
+      <p:grpSpPr>
+        <a:xfrm>
+          <a:off x="0" y="0"/>
+          <a:ext cx="0" cy="0"/>
+          <a:chOff x="0" y="0"/>
+          <a:chExt cx="0" cy="0"/>
+        </a:xfrm>
+      </p:grpSpPr>
+      <p:sp>
+        <p:nvSpPr>
+          <p:cNvPr id="2" name="Titel 1">
+            <a:extLst>
+              <a:ext uri="{FF2B5EF4-FFF2-40B4-BE49-F238E27FC236}">
+                <a16:creationId xmlns:a16="http://schemas.microsoft.com/office/drawing/2014/main" id="{8863E4F2-E5EC-43C5-B897-8C27EEEE8811}"/>
+              </a:ext>
+            </a:extLst>
+          </p:cNvPr>
+          <p:cNvSpPr>
+            <a:spLocks noGrp="1"/>
+          </p:cNvSpPr>
+          <p:nvPr>
+            <p:ph type="title"/>
+          </p:nvPr>
+        </p:nvSpPr>
+        <p:spPr>
+          <a:xfrm>
+            <a:off x="2151992" y="204952"/>
+            <a:ext cx="10040008" cy="362606"/>
+          </a:xfrm>
+        </p:spPr>
+        <p:txBody>
+          <a:bodyPr>
+            <a:noAutofit/>
+          </a:bodyPr>
+          <a:lstStyle/>
+          <a:p>
+            <a:pPr algn="ctr"/>
+            <a:r>
+              <a:rPr lang="de-DE" sz="2400" dirty="0" err="1">
+                <a:effectLst>
+                  <a:reflection blurRad="6350" stA="60000" endA="900" endPos="60000" dist="29997" dir="5400000" sy="-100000" algn="bl" rotWithShape="0"/>
+                </a:effectLst>
+                <a:latin typeface="Corbel Light" panose="020B0303020204020204" pitchFamily="34" charset="0"/>
+              </a:rPr>
+              <a:t>Arduino&amp;</a:t>
+            </a:r>
+            <a:r>
+              <a:rPr lang="de-DE" sz="2400" spc="250" dirty="0" err="1">
+                <a:effectLst>
+                  <a:reflection blurRad="6350" stA="60000" endA="900" endPos="60000" dist="29997" dir="5400000" sy="-100000" algn="bl" rotWithShape="0"/>
+                </a:effectLst>
+                <a:latin typeface="Corbel Light" panose="020B0303020204020204" pitchFamily="34" charset="0"/>
+              </a:rPr>
+              <a:t>Sensorik</a:t>
+            </a:r>
+            <a:r>
+              <a:rPr lang="de-DE" sz="2400" spc="250" dirty="0" err="1">
+                <a:solidFill>
+                  <a:schemeClr val="bg1">
+                    <a:lumMod val="85000"/>
+                    <a:lumOff val="15000"/>
+                  </a:schemeClr>
+                </a:solidFill>
+                <a:effectLst>
+                  <a:reflection blurRad="6350" stA="60000" endA="900" endPos="60000" dist="29997" dir="5400000" sy="-100000" algn="bl" rotWithShape="0"/>
+                </a:effectLst>
+                <a:latin typeface="Corbel Light" panose="020B0303020204020204" pitchFamily="34" charset="0"/>
+              </a:rPr>
+              <a:t>KommunikationBackendVisualisierungRoboNova</a:t>
+            </a:r>
+            <a:endParaRPr lang="de-DE" sz="2400" spc="250" dirty="0">
+              <a:solidFill>
+                <a:schemeClr val="bg1">
+                  <a:lumMod val="85000"/>
+                  <a:lumOff val="15000"/>
+                </a:schemeClr>
+              </a:solidFill>
+              <a:effectLst>
+                <a:reflection blurRad="6350" stA="60000" endA="900" endPos="60000" dist="29997" dir="5400000" sy="-100000" algn="bl" rotWithShape="0"/>
+              </a:effectLst>
+              <a:latin typeface="Corbel Light" panose="020B0303020204020204" pitchFamily="34" charset="0"/>
+            </a:endParaRPr>
+          </a:p>
+        </p:txBody>
+      </p:sp>
+      <p:pic>
+        <p:nvPicPr>
+          <p:cNvPr id="5" name="Grafik 4">
+            <a:extLst>
+              <a:ext uri="{FF2B5EF4-FFF2-40B4-BE49-F238E27FC236}">
+                <a16:creationId xmlns:a16="http://schemas.microsoft.com/office/drawing/2014/main" id="{73474120-098F-492B-A91C-D7758A98BFD2}"/>
+              </a:ext>
+            </a:extLst>
+          </p:cNvPr>
+          <p:cNvPicPr>
+            <a:picLocks noChangeAspect="1"/>
+          </p:cNvPicPr>
+          <p:nvPr/>
+        </p:nvPicPr>
+        <p:blipFill>
+          <a:blip r:embed="rId2">
+            <a:extLst>
+              <a:ext uri="{28A0092B-C50C-407E-A947-70E740481C1C}">
+                <a14:useLocalDpi xmlns:a14="http://schemas.microsoft.com/office/drawing/2010/main" val="0"/>
+              </a:ext>
+            </a:extLst>
+          </a:blip>
+          <a:stretch>
+            <a:fillRect/>
+          </a:stretch>
+        </p:blipFill>
+        <p:spPr>
+          <a:xfrm>
+            <a:off x="2151992" y="1210496"/>
+            <a:ext cx="7888014" cy="4437008"/>
+          </a:xfrm>
+          <a:prstGeom prst="rect">
+            <a:avLst/>
+          </a:prstGeom>
+          <a:ln w="38100" cap="sq">
+            <a:solidFill>
+              <a:srgbClr val="000000"/>
+            </a:solidFill>
+            <a:prstDash val="solid"/>
+            <a:miter lim="800000"/>
+          </a:ln>
+          <a:effectLst>
+            <a:outerShdw blurRad="50800" dist="38100" dir="2700000" algn="tl" rotWithShape="0">
+              <a:srgbClr val="000000">
+                <a:alpha val="43000"/>
+              </a:srgbClr>
+            </a:outerShdw>
+          </a:effectLst>
+        </p:spPr>
+      </p:pic>
+      <p:sp>
+        <p:nvSpPr>
+          <p:cNvPr id="8" name="Textfeld 7">
+            <a:extLst>
+              <a:ext uri="{FF2B5EF4-FFF2-40B4-BE49-F238E27FC236}">
+                <a16:creationId xmlns:a16="http://schemas.microsoft.com/office/drawing/2014/main" id="{53AE0C01-BA48-4AC0-9A6A-878E7B5942C9}"/>
+              </a:ext>
+            </a:extLst>
+          </p:cNvPr>
+          <p:cNvSpPr txBox="1"/>
+          <p:nvPr/>
+        </p:nvSpPr>
+        <p:spPr>
+          <a:xfrm>
+            <a:off x="140980" y="124645"/>
+            <a:ext cx="2011013" cy="523220"/>
+          </a:xfrm>
+          <a:prstGeom prst="rect">
+            <a:avLst/>
+          </a:prstGeom>
+          <a:noFill/>
+          <a:ln w="57150">
+            <a:solidFill>
+              <a:schemeClr val="tx1"/>
+            </a:solidFill>
+          </a:ln>
+        </p:spPr>
+        <p:txBody>
+          <a:bodyPr wrap="square" rtlCol="0">
+            <a:spAutoFit/>
+          </a:bodyPr>
+          <a:lstStyle>
+            <a:defPPr>
+              <a:defRPr lang="de-DE"/>
+            </a:defPPr>
+            <a:lvl1pPr>
+              <a:defRPr>
+                <a:latin typeface="Corbel Light" panose="020B0303020204020204" pitchFamily="34" charset="0"/>
+              </a:defRPr>
+            </a:lvl1pPr>
+          </a:lstStyle>
+          <a:p>
+            <a:pPr algn="ctr"/>
+            <a:r>
+              <a:rPr lang="de-DE" sz="2800" dirty="0" err="1"/>
+              <a:t>RoboMirror</a:t>
+            </a:r>
+            <a:endParaRPr lang="de-DE" sz="2800" dirty="0"/>
+          </a:p>
+        </p:txBody>
+      </p:sp>
+      <p:sp>
+        <p:nvSpPr>
+          <p:cNvPr id="3" name="Rechteck 2">
+            <a:extLst>
+              <a:ext uri="{FF2B5EF4-FFF2-40B4-BE49-F238E27FC236}">
+                <a16:creationId xmlns:a16="http://schemas.microsoft.com/office/drawing/2014/main" id="{645E549E-6EF4-46EF-989E-25E94BE3041C}"/>
+              </a:ext>
+            </a:extLst>
+          </p:cNvPr>
+          <p:cNvSpPr/>
+          <p:nvPr/>
+        </p:nvSpPr>
+        <p:spPr>
+          <a:xfrm>
+            <a:off x="2297723" y="1582614"/>
+            <a:ext cx="2145323" cy="3446585"/>
+          </a:xfrm>
+          <a:prstGeom prst="rect">
+            <a:avLst/>
+          </a:prstGeom>
+          <a:noFill/>
+          <a:ln w="38100">
+            <a:solidFill>
+              <a:srgbClr val="FF0000"/>
+            </a:solidFill>
+          </a:ln>
+        </p:spPr>
+        <p:style>
+          <a:lnRef idx="2">
+            <a:schemeClr val="accent1">
+              <a:shade val="50000"/>
+            </a:schemeClr>
+          </a:lnRef>
+          <a:fillRef idx="1">
+            <a:schemeClr val="accent1"/>
+          </a:fillRef>
+          <a:effectRef idx="0">
+            <a:schemeClr val="accent1"/>
+          </a:effectRef>
+          <a:fontRef idx="minor">
+            <a:schemeClr val="lt1"/>
+          </a:fontRef>
+        </p:style>
+        <p:txBody>
+          <a:bodyPr rtlCol="0" anchor="ctr"/>
+          <a:lstStyle/>
+          <a:p>
+            <a:pPr algn="ctr"/>
+            <a:endParaRPr lang="de-DE"/>
+          </a:p>
+        </p:txBody>
+      </p:sp>
+    </p:spTree>
+    <p:extLst>
+      <p:ext uri="{BB962C8B-B14F-4D97-AF65-F5344CB8AC3E}">
+        <p14:creationId xmlns:p14="http://schemas.microsoft.com/office/powerpoint/2010/main" val="3203895242"/>
       </p:ext>
     </p:extLst>
   </p:cSld>

--- a/Material für Abschlusspräsentation/Präsentationsvorlage für Maxi.pptx
+++ b/Material für Abschlusspräsentation/Präsentationsvorlage für Maxi.pptx
@@ -5,12 +5,16 @@
     <p:sldMasterId id="2147483648" r:id="rId1"/>
   </p:sldMasterIdLst>
   <p:notesMasterIdLst>
-    <p:notesMasterId r:id="rId5"/>
+    <p:notesMasterId r:id="rId9"/>
   </p:notesMasterIdLst>
   <p:sldIdLst>
     <p:sldId id="257" r:id="rId2"/>
-    <p:sldId id="259" r:id="rId3"/>
-    <p:sldId id="260" r:id="rId4"/>
+    <p:sldId id="261" r:id="rId3"/>
+    <p:sldId id="262" r:id="rId4"/>
+    <p:sldId id="263" r:id="rId5"/>
+    <p:sldId id="264" r:id="rId6"/>
+    <p:sldId id="265" r:id="rId7"/>
+    <p:sldId id="260" r:id="rId8"/>
   </p:sldIdLst>
   <p:sldSz cx="12192000" cy="6858000"/>
   <p:notesSz cx="6858000" cy="9144000"/>
@@ -199,7 +203,7 @@
           <a:p>
             <a:fld id="{398C6B7F-DE70-4723-AEA0-F3505BEE67B9}" type="datetimeFigureOut">
               <a:rPr lang="de-DE" smtClean="0"/>
-              <a:t>16.07.2020</a:t>
+              <a:t>20.07.2020</a:t>
             </a:fld>
             <a:endParaRPr lang="de-DE"/>
           </a:p>
@@ -3097,87 +3101,10 @@
       </p:grpSpPr>
       <p:sp>
         <p:nvSpPr>
-          <p:cNvPr id="2" name="Titel 1">
-            <a:extLst>
-              <a:ext uri="{FF2B5EF4-FFF2-40B4-BE49-F238E27FC236}">
-                <a16:creationId xmlns:a16="http://schemas.microsoft.com/office/drawing/2014/main" id="{8863E4F2-E5EC-43C5-B897-8C27EEEE8811}"/>
-              </a:ext>
-            </a:extLst>
-          </p:cNvPr>
-          <p:cNvSpPr>
-            <a:spLocks noGrp="1"/>
-          </p:cNvSpPr>
-          <p:nvPr>
-            <p:ph type="title"/>
-          </p:nvPr>
-        </p:nvSpPr>
-        <p:spPr>
-          <a:xfrm>
-            <a:off x="2151992" y="204952"/>
-            <a:ext cx="10040008" cy="362606"/>
-          </a:xfrm>
-        </p:spPr>
-        <p:txBody>
-          <a:bodyPr>
-            <a:noAutofit/>
-          </a:bodyPr>
-          <a:lstStyle/>
-          <a:p>
-            <a:pPr algn="ctr"/>
-            <a:r>
-              <a:rPr lang="de-DE" sz="2400" dirty="0" err="1">
-                <a:effectLst>
-                  <a:reflection blurRad="6350" stA="60000" endA="900" endPos="60000" dist="29997" dir="5400000" sy="-100000" algn="bl" rotWithShape="0"/>
-                </a:effectLst>
-                <a:latin typeface="Corbel Light" panose="020B0303020204020204" pitchFamily="34" charset="0"/>
-              </a:rPr>
-              <a:t>Arduino&amp;</a:t>
-            </a:r>
-            <a:r>
-              <a:rPr lang="de-DE" sz="2400" spc="250" dirty="0" err="1">
-                <a:effectLst>
-                  <a:reflection blurRad="6350" stA="60000" endA="900" endPos="60000" dist="29997" dir="5400000" sy="-100000" algn="bl" rotWithShape="0"/>
-                </a:effectLst>
-                <a:latin typeface="Corbel Light" panose="020B0303020204020204" pitchFamily="34" charset="0"/>
-              </a:rPr>
-              <a:t>Sensorik</a:t>
-            </a:r>
-            <a:r>
-              <a:rPr lang="de-DE" sz="2400" spc="250" dirty="0" err="1">
-                <a:solidFill>
-                  <a:schemeClr val="bg1">
-                    <a:lumMod val="85000"/>
-                    <a:lumOff val="15000"/>
-                  </a:schemeClr>
-                </a:solidFill>
-                <a:effectLst>
-                  <a:reflection blurRad="6350" stA="60000" endA="900" endPos="60000" dist="29997" dir="5400000" sy="-100000" algn="bl" rotWithShape="0"/>
-                </a:effectLst>
-                <a:latin typeface="Corbel Light" panose="020B0303020204020204" pitchFamily="34" charset="0"/>
-              </a:rPr>
-              <a:t>KommunikationBackendVisualisierungRoboNova</a:t>
-            </a:r>
-            <a:endParaRPr lang="de-DE" sz="2400" spc="250" dirty="0">
-              <a:solidFill>
-                <a:schemeClr val="bg1">
-                  <a:lumMod val="85000"/>
-                  <a:lumOff val="15000"/>
-                </a:schemeClr>
-              </a:solidFill>
-              <a:effectLst>
-                <a:reflection blurRad="6350" stA="60000" endA="900" endPos="60000" dist="29997" dir="5400000" sy="-100000" algn="bl" rotWithShape="0"/>
-              </a:effectLst>
-              <a:latin typeface="Corbel Light" panose="020B0303020204020204" pitchFamily="34" charset="0"/>
-            </a:endParaRPr>
-          </a:p>
-        </p:txBody>
-      </p:sp>
-      <p:sp>
-        <p:nvSpPr>
-          <p:cNvPr id="8" name="Textfeld 7">
-            <a:extLst>
-              <a:ext uri="{FF2B5EF4-FFF2-40B4-BE49-F238E27FC236}">
-                <a16:creationId xmlns:a16="http://schemas.microsoft.com/office/drawing/2014/main" id="{53AE0C01-BA48-4AC0-9A6A-878E7B5942C9}"/>
+          <p:cNvPr id="15" name="Textfeld 14">
+            <a:extLst>
+              <a:ext uri="{FF2B5EF4-FFF2-40B4-BE49-F238E27FC236}">
+                <a16:creationId xmlns:a16="http://schemas.microsoft.com/office/drawing/2014/main" id="{EDC0117D-58F4-467D-B022-5970DDCB4994}"/>
               </a:ext>
             </a:extLst>
           </p:cNvPr>
@@ -3186,14 +3113,14 @@
         </p:nvSpPr>
         <p:spPr>
           <a:xfrm>
-            <a:off x="140980" y="124645"/>
-            <a:ext cx="2011013" cy="523220"/>
+            <a:off x="515891" y="362596"/>
+            <a:ext cx="5023184" cy="523220"/>
           </a:xfrm>
           <a:prstGeom prst="rect">
             <a:avLst/>
           </a:prstGeom>
           <a:noFill/>
-          <a:ln w="57150">
+          <a:ln>
             <a:solidFill>
               <a:schemeClr val="tx1"/>
             </a:solidFill>
@@ -3203,30 +3130,159 @@
           <a:bodyPr wrap="square" rtlCol="0">
             <a:spAutoFit/>
           </a:bodyPr>
-          <a:lstStyle>
-            <a:defPPr>
-              <a:defRPr lang="de-DE"/>
-            </a:defPPr>
-            <a:lvl1pPr>
-              <a:defRPr>
+          <a:lstStyle/>
+          <a:p>
+            <a:pPr algn="ctr"/>
+            <a:r>
+              <a:rPr lang="de-DE" sz="2800" spc="600" dirty="0">
                 <a:latin typeface="Corbel Light" panose="020B0303020204020204" pitchFamily="34" charset="0"/>
-              </a:defRPr>
-            </a:lvl1pPr>
-          </a:lstStyle>
+              </a:rPr>
+              <a:t>Vorarbeit</a:t>
+            </a:r>
+          </a:p>
+        </p:txBody>
+      </p:sp>
+      <p:sp>
+        <p:nvSpPr>
+          <p:cNvPr id="11" name="Textfeld 10">
+            <a:extLst>
+              <a:ext uri="{FF2B5EF4-FFF2-40B4-BE49-F238E27FC236}">
+                <a16:creationId xmlns:a16="http://schemas.microsoft.com/office/drawing/2014/main" id="{BA3042D6-6002-417C-93D0-8FCE3D1E7633}"/>
+              </a:ext>
+            </a:extLst>
+          </p:cNvPr>
+          <p:cNvSpPr txBox="1"/>
+          <p:nvPr/>
+        </p:nvSpPr>
+        <p:spPr>
+          <a:xfrm>
+            <a:off x="5697415" y="362596"/>
+            <a:ext cx="1233776" cy="523220"/>
+          </a:xfrm>
+          <a:prstGeom prst="rect">
+            <a:avLst/>
+          </a:prstGeom>
+          <a:noFill/>
+          <a:ln>
+            <a:solidFill>
+              <a:schemeClr val="tx1"/>
+            </a:solidFill>
+          </a:ln>
+        </p:spPr>
+        <p:txBody>
+          <a:bodyPr wrap="square" rtlCol="0">
+            <a:spAutoFit/>
+          </a:bodyPr>
+          <a:lstStyle/>
           <a:p>
             <a:pPr algn="ctr"/>
             <a:r>
-              <a:rPr lang="de-DE" sz="2800" dirty="0" err="1"/>
-              <a:t>RoboMirror</a:t>
-            </a:r>
-            <a:endParaRPr lang="de-DE" sz="2800" dirty="0"/>
+              <a:rPr lang="de-DE" sz="2800" spc="600" dirty="0">
+                <a:latin typeface="Corbel Light" panose="020B0303020204020204" pitchFamily="34" charset="0"/>
+              </a:rPr>
+              <a:t>32%</a:t>
+            </a:r>
+          </a:p>
+        </p:txBody>
+      </p:sp>
+      <p:sp>
+        <p:nvSpPr>
+          <p:cNvPr id="12" name="Textfeld 11">
+            <a:extLst>
+              <a:ext uri="{FF2B5EF4-FFF2-40B4-BE49-F238E27FC236}">
+                <a16:creationId xmlns:a16="http://schemas.microsoft.com/office/drawing/2014/main" id="{3DB282F9-9955-4987-A9EC-F59319B64096}"/>
+              </a:ext>
+            </a:extLst>
+          </p:cNvPr>
+          <p:cNvSpPr txBox="1"/>
+          <p:nvPr/>
+        </p:nvSpPr>
+        <p:spPr>
+          <a:xfrm>
+            <a:off x="515891" y="1060118"/>
+            <a:ext cx="11318555" cy="2610843"/>
+          </a:xfrm>
+          <a:prstGeom prst="rect">
+            <a:avLst/>
+          </a:prstGeom>
+          <a:noFill/>
+          <a:ln>
+            <a:solidFill>
+              <a:schemeClr val="tx1"/>
+            </a:solidFill>
+          </a:ln>
+        </p:spPr>
+        <p:txBody>
+          <a:bodyPr wrap="square" rtlCol="0">
+            <a:spAutoFit/>
+          </a:bodyPr>
+          <a:lstStyle/>
+          <a:p>
+            <a:pPr marL="457200" indent="-457200">
+              <a:lnSpc>
+                <a:spcPct val="150000"/>
+              </a:lnSpc>
+              <a:buFont typeface="Courier New" panose="02070309020205020404" pitchFamily="49" charset="0"/>
+              <a:buChar char="o"/>
+            </a:pPr>
+            <a:r>
+              <a:rPr lang="de-DE" sz="2800" spc="600" dirty="0">
+                <a:latin typeface="Corbel Light" panose="020B0303020204020204" pitchFamily="34" charset="0"/>
+              </a:rPr>
+              <a:t>Punkt 1</a:t>
+            </a:r>
+          </a:p>
+          <a:p>
+            <a:pPr marL="457200" indent="-457200">
+              <a:lnSpc>
+                <a:spcPct val="150000"/>
+              </a:lnSpc>
+              <a:buFont typeface="Courier New" panose="02070309020205020404" pitchFamily="49" charset="0"/>
+              <a:buChar char="o"/>
+            </a:pPr>
+            <a:r>
+              <a:rPr lang="de-DE" sz="2800" spc="600" dirty="0">
+                <a:latin typeface="Corbel Light" panose="020B0303020204020204" pitchFamily="34" charset="0"/>
+              </a:rPr>
+              <a:t>Punkt 2</a:t>
+            </a:r>
+          </a:p>
+          <a:p>
+            <a:pPr marL="457200" indent="-457200">
+              <a:lnSpc>
+                <a:spcPct val="150000"/>
+              </a:lnSpc>
+              <a:buFont typeface="Courier New" panose="02070309020205020404" pitchFamily="49" charset="0"/>
+              <a:buChar char="o"/>
+            </a:pPr>
+            <a:r>
+              <a:rPr lang="de-DE" sz="2800" spc="600" dirty="0">
+                <a:latin typeface="Corbel Light" panose="020B0303020204020204" pitchFamily="34" charset="0"/>
+              </a:rPr>
+              <a:t>Punkt 3</a:t>
+            </a:r>
+          </a:p>
+          <a:p>
+            <a:pPr marL="457200" indent="-457200">
+              <a:lnSpc>
+                <a:spcPct val="150000"/>
+              </a:lnSpc>
+              <a:buFont typeface="Courier New" panose="02070309020205020404" pitchFamily="49" charset="0"/>
+              <a:buChar char="o"/>
+            </a:pPr>
+            <a:r>
+              <a:rPr lang="de-DE" sz="2800" spc="600" dirty="0">
+                <a:latin typeface="Corbel Light" panose="020B0303020204020204" pitchFamily="34" charset="0"/>
+              </a:rPr>
+              <a:t>Punkt 4</a:t>
+            </a:r>
           </a:p>
         </p:txBody>
       </p:sp>
     </p:spTree>
     <p:extLst>
       <p:ext uri="{BB962C8B-B14F-4D97-AF65-F5344CB8AC3E}">
-        <p14:creationId xmlns:p14="http://schemas.microsoft.com/office/powerpoint/2010/main" val="4133584170"/>
+        <p14:creationId xmlns:p14="http://schemas.microsoft.com/office/powerpoint/2010/main" val="1817869938"/>
       </p:ext>
     </p:extLst>
   </p:cSld>
@@ -3236,99 +3292,819 @@
   <p:transition spd="slow">
     <p:push dir="u"/>
   </p:transition>
-  <p:timing>
-    <p:tnLst>
-      <p:par>
-        <p:cTn id="1" dur="indefinite" restart="never" nodeType="tmRoot">
-          <p:childTnLst>
-            <p:seq concurrent="1" nextAc="seek">
-              <p:cTn id="2" dur="indefinite" nodeType="mainSeq">
-                <p:childTnLst>
-                  <p:par>
-                    <p:cTn id="3" fill="hold">
-                      <p:stCondLst>
-                        <p:cond delay="indefinite"/>
-                        <p:cond evt="onBegin" delay="0">
-                          <p:tn val="2"/>
-                        </p:cond>
-                      </p:stCondLst>
-                      <p:childTnLst>
-                        <p:par>
-                          <p:cTn id="4" fill="hold">
-                            <p:stCondLst>
-                              <p:cond delay="0"/>
-                            </p:stCondLst>
-                            <p:childTnLst>
-                              <p:par>
-                                <p:cTn id="5" presetID="10" presetClass="entr" presetSubtype="0" fill="hold" grpId="0" nodeType="withEffect">
-                                  <p:stCondLst>
-                                    <p:cond delay="0"/>
-                                  </p:stCondLst>
-                                  <p:childTnLst>
-                                    <p:set>
-                                      <p:cBhvr>
-                                        <p:cTn id="6" dur="1" fill="hold">
-                                          <p:stCondLst>
-                                            <p:cond delay="0"/>
-                                          </p:stCondLst>
-                                        </p:cTn>
-                                        <p:tgtEl>
-                                          <p:spTgt spid="2"/>
-                                        </p:tgtEl>
-                                        <p:attrNameLst>
-                                          <p:attrName>style.visibility</p:attrName>
-                                        </p:attrNameLst>
-                                      </p:cBhvr>
-                                      <p:to>
-                                        <p:strVal val="visible"/>
-                                      </p:to>
-                                    </p:set>
-                                    <p:animEffect transition="in" filter="fade">
-                                      <p:cBhvr>
-                                        <p:cTn id="7" dur="500"/>
-                                        <p:tgtEl>
-                                          <p:spTgt spid="2"/>
-                                        </p:tgtEl>
-                                      </p:cBhvr>
-                                    </p:animEffect>
-                                  </p:childTnLst>
-                                </p:cTn>
-                              </p:par>
-                            </p:childTnLst>
-                          </p:cTn>
-                        </p:par>
-                      </p:childTnLst>
-                    </p:cTn>
-                  </p:par>
-                </p:childTnLst>
-              </p:cTn>
-              <p:prevCondLst>
-                <p:cond evt="onPrev" delay="0">
-                  <p:tgtEl>
-                    <p:sldTgt/>
-                  </p:tgtEl>
-                </p:cond>
-              </p:prevCondLst>
-              <p:nextCondLst>
-                <p:cond evt="onNext" delay="0">
-                  <p:tgtEl>
-                    <p:sldTgt/>
-                  </p:tgtEl>
-                </p:cond>
-              </p:nextCondLst>
-            </p:seq>
-          </p:childTnLst>
-        </p:cTn>
-      </p:par>
-    </p:tnLst>
-    <p:bldLst>
-      <p:bldP spid="2" grpId="0"/>
-    </p:bldLst>
-  </p:timing>
 </p:sld>
 </file>
 
 <file path=ppt/slides/slide3.xml><?xml version="1.0" encoding="utf-8"?>
+<p:sld xmlns:a="http://schemas.openxmlformats.org/drawingml/2006/main" xmlns:r="http://schemas.openxmlformats.org/officeDocument/2006/relationships" xmlns:p="http://schemas.openxmlformats.org/presentationml/2006/main">
+  <p:cSld>
+    <p:spTree>
+      <p:nvGrpSpPr>
+        <p:cNvPr id="1" name=""/>
+        <p:cNvGrpSpPr/>
+        <p:nvPr/>
+      </p:nvGrpSpPr>
+      <p:grpSpPr>
+        <a:xfrm>
+          <a:off x="0" y="0"/>
+          <a:ext cx="0" cy="0"/>
+          <a:chOff x="0" y="0"/>
+          <a:chExt cx="0" cy="0"/>
+        </a:xfrm>
+      </p:grpSpPr>
+      <p:sp>
+        <p:nvSpPr>
+          <p:cNvPr id="15" name="Textfeld 14">
+            <a:extLst>
+              <a:ext uri="{FF2B5EF4-FFF2-40B4-BE49-F238E27FC236}">
+                <a16:creationId xmlns:a16="http://schemas.microsoft.com/office/drawing/2014/main" id="{EDC0117D-58F4-467D-B022-5970DDCB4994}"/>
+              </a:ext>
+            </a:extLst>
+          </p:cNvPr>
+          <p:cNvSpPr txBox="1"/>
+          <p:nvPr/>
+        </p:nvSpPr>
+        <p:spPr>
+          <a:xfrm>
+            <a:off x="515891" y="362596"/>
+            <a:ext cx="5023184" cy="523220"/>
+          </a:xfrm>
+          <a:prstGeom prst="rect">
+            <a:avLst/>
+          </a:prstGeom>
+          <a:noFill/>
+          <a:ln>
+            <a:solidFill>
+              <a:schemeClr val="tx1"/>
+            </a:solidFill>
+          </a:ln>
+        </p:spPr>
+        <p:txBody>
+          <a:bodyPr wrap="square" rtlCol="0">
+            <a:spAutoFit/>
+          </a:bodyPr>
+          <a:lstStyle/>
+          <a:p>
+            <a:pPr algn="ctr"/>
+            <a:r>
+              <a:rPr lang="de-DE" sz="2800" spc="600" dirty="0">
+                <a:latin typeface="Corbel Light" panose="020B0303020204020204" pitchFamily="34" charset="0"/>
+              </a:rPr>
+              <a:t>Hardware</a:t>
+            </a:r>
+          </a:p>
+        </p:txBody>
+      </p:sp>
+      <p:sp>
+        <p:nvSpPr>
+          <p:cNvPr id="11" name="Textfeld 10">
+            <a:extLst>
+              <a:ext uri="{FF2B5EF4-FFF2-40B4-BE49-F238E27FC236}">
+                <a16:creationId xmlns:a16="http://schemas.microsoft.com/office/drawing/2014/main" id="{BA3042D6-6002-417C-93D0-8FCE3D1E7633}"/>
+              </a:ext>
+            </a:extLst>
+          </p:cNvPr>
+          <p:cNvSpPr txBox="1"/>
+          <p:nvPr/>
+        </p:nvSpPr>
+        <p:spPr>
+          <a:xfrm>
+            <a:off x="5697415" y="362596"/>
+            <a:ext cx="1233776" cy="523220"/>
+          </a:xfrm>
+          <a:prstGeom prst="rect">
+            <a:avLst/>
+          </a:prstGeom>
+          <a:noFill/>
+          <a:ln>
+            <a:solidFill>
+              <a:schemeClr val="tx1"/>
+            </a:solidFill>
+          </a:ln>
+        </p:spPr>
+        <p:txBody>
+          <a:bodyPr wrap="square" rtlCol="0">
+            <a:spAutoFit/>
+          </a:bodyPr>
+          <a:lstStyle/>
+          <a:p>
+            <a:pPr algn="ctr"/>
+            <a:r>
+              <a:rPr lang="de-DE" sz="2800" spc="600" dirty="0">
+                <a:latin typeface="Corbel Light" panose="020B0303020204020204" pitchFamily="34" charset="0"/>
+              </a:rPr>
+              <a:t>32%</a:t>
+            </a:r>
+          </a:p>
+        </p:txBody>
+      </p:sp>
+      <p:sp>
+        <p:nvSpPr>
+          <p:cNvPr id="12" name="Textfeld 11">
+            <a:extLst>
+              <a:ext uri="{FF2B5EF4-FFF2-40B4-BE49-F238E27FC236}">
+                <a16:creationId xmlns:a16="http://schemas.microsoft.com/office/drawing/2014/main" id="{3DB282F9-9955-4987-A9EC-F59319B64096}"/>
+              </a:ext>
+            </a:extLst>
+          </p:cNvPr>
+          <p:cNvSpPr txBox="1"/>
+          <p:nvPr/>
+        </p:nvSpPr>
+        <p:spPr>
+          <a:xfrm>
+            <a:off x="515890" y="1095288"/>
+            <a:ext cx="11318555" cy="2610843"/>
+          </a:xfrm>
+          <a:prstGeom prst="rect">
+            <a:avLst/>
+          </a:prstGeom>
+          <a:noFill/>
+          <a:ln>
+            <a:solidFill>
+              <a:schemeClr val="tx1"/>
+            </a:solidFill>
+          </a:ln>
+        </p:spPr>
+        <p:txBody>
+          <a:bodyPr wrap="square" rtlCol="0">
+            <a:spAutoFit/>
+          </a:bodyPr>
+          <a:lstStyle/>
+          <a:p>
+            <a:pPr marL="457200" indent="-457200">
+              <a:lnSpc>
+                <a:spcPct val="150000"/>
+              </a:lnSpc>
+              <a:buFont typeface="Courier New" panose="02070309020205020404" pitchFamily="49" charset="0"/>
+              <a:buChar char="o"/>
+            </a:pPr>
+            <a:r>
+              <a:rPr lang="de-DE" sz="2800" spc="600" dirty="0">
+                <a:latin typeface="Corbel Light" panose="020B0303020204020204" pitchFamily="34" charset="0"/>
+              </a:rPr>
+              <a:t>Punkt 1</a:t>
+            </a:r>
+          </a:p>
+          <a:p>
+            <a:pPr marL="457200" indent="-457200">
+              <a:lnSpc>
+                <a:spcPct val="150000"/>
+              </a:lnSpc>
+              <a:buFont typeface="Courier New" panose="02070309020205020404" pitchFamily="49" charset="0"/>
+              <a:buChar char="o"/>
+            </a:pPr>
+            <a:r>
+              <a:rPr lang="de-DE" sz="2800" spc="600" dirty="0">
+                <a:latin typeface="Corbel Light" panose="020B0303020204020204" pitchFamily="34" charset="0"/>
+              </a:rPr>
+              <a:t>Punkt 2</a:t>
+            </a:r>
+          </a:p>
+          <a:p>
+            <a:pPr marL="457200" indent="-457200">
+              <a:lnSpc>
+                <a:spcPct val="150000"/>
+              </a:lnSpc>
+              <a:buFont typeface="Courier New" panose="02070309020205020404" pitchFamily="49" charset="0"/>
+              <a:buChar char="o"/>
+            </a:pPr>
+            <a:r>
+              <a:rPr lang="de-DE" sz="2800" spc="600" dirty="0">
+                <a:latin typeface="Corbel Light" panose="020B0303020204020204" pitchFamily="34" charset="0"/>
+              </a:rPr>
+              <a:t>Punkt 3</a:t>
+            </a:r>
+          </a:p>
+          <a:p>
+            <a:pPr marL="457200" indent="-457200">
+              <a:lnSpc>
+                <a:spcPct val="150000"/>
+              </a:lnSpc>
+              <a:buFont typeface="Courier New" panose="02070309020205020404" pitchFamily="49" charset="0"/>
+              <a:buChar char="o"/>
+            </a:pPr>
+            <a:r>
+              <a:rPr lang="de-DE" sz="2800" spc="600" dirty="0">
+                <a:latin typeface="Corbel Light" panose="020B0303020204020204" pitchFamily="34" charset="0"/>
+              </a:rPr>
+              <a:t>Punkt 4</a:t>
+            </a:r>
+          </a:p>
+        </p:txBody>
+      </p:sp>
+    </p:spTree>
+    <p:extLst>
+      <p:ext uri="{BB962C8B-B14F-4D97-AF65-F5344CB8AC3E}">
+        <p14:creationId xmlns:p14="http://schemas.microsoft.com/office/powerpoint/2010/main" val="1925717297"/>
+      </p:ext>
+    </p:extLst>
+  </p:cSld>
+  <p:clrMapOvr>
+    <a:masterClrMapping/>
+  </p:clrMapOvr>
+  <p:transition spd="slow">
+    <p:push dir="u"/>
+  </p:transition>
+</p:sld>
+</file>
+
+<file path=ppt/slides/slide4.xml><?xml version="1.0" encoding="utf-8"?>
+<p:sld xmlns:a="http://schemas.openxmlformats.org/drawingml/2006/main" xmlns:r="http://schemas.openxmlformats.org/officeDocument/2006/relationships" xmlns:p="http://schemas.openxmlformats.org/presentationml/2006/main">
+  <p:cSld>
+    <p:spTree>
+      <p:nvGrpSpPr>
+        <p:cNvPr id="1" name=""/>
+        <p:cNvGrpSpPr/>
+        <p:nvPr/>
+      </p:nvGrpSpPr>
+      <p:grpSpPr>
+        <a:xfrm>
+          <a:off x="0" y="0"/>
+          <a:ext cx="0" cy="0"/>
+          <a:chOff x="0" y="0"/>
+          <a:chExt cx="0" cy="0"/>
+        </a:xfrm>
+      </p:grpSpPr>
+      <p:sp>
+        <p:nvSpPr>
+          <p:cNvPr id="15" name="Textfeld 14">
+            <a:extLst>
+              <a:ext uri="{FF2B5EF4-FFF2-40B4-BE49-F238E27FC236}">
+                <a16:creationId xmlns:a16="http://schemas.microsoft.com/office/drawing/2014/main" id="{EDC0117D-58F4-467D-B022-5970DDCB4994}"/>
+              </a:ext>
+            </a:extLst>
+          </p:cNvPr>
+          <p:cNvSpPr txBox="1"/>
+          <p:nvPr/>
+        </p:nvSpPr>
+        <p:spPr>
+          <a:xfrm>
+            <a:off x="515891" y="362596"/>
+            <a:ext cx="5023184" cy="523220"/>
+          </a:xfrm>
+          <a:prstGeom prst="rect">
+            <a:avLst/>
+          </a:prstGeom>
+          <a:noFill/>
+          <a:ln>
+            <a:solidFill>
+              <a:schemeClr val="tx1"/>
+            </a:solidFill>
+          </a:ln>
+        </p:spPr>
+        <p:txBody>
+          <a:bodyPr wrap="square" rtlCol="0">
+            <a:spAutoFit/>
+          </a:bodyPr>
+          <a:lstStyle/>
+          <a:p>
+            <a:pPr algn="ctr"/>
+            <a:r>
+              <a:rPr lang="de-DE" sz="2800" spc="600" dirty="0">
+                <a:latin typeface="Corbel Light" panose="020B0303020204020204" pitchFamily="34" charset="0"/>
+              </a:rPr>
+              <a:t>Software</a:t>
+            </a:r>
+          </a:p>
+        </p:txBody>
+      </p:sp>
+      <p:sp>
+        <p:nvSpPr>
+          <p:cNvPr id="11" name="Textfeld 10">
+            <a:extLst>
+              <a:ext uri="{FF2B5EF4-FFF2-40B4-BE49-F238E27FC236}">
+                <a16:creationId xmlns:a16="http://schemas.microsoft.com/office/drawing/2014/main" id="{BA3042D6-6002-417C-93D0-8FCE3D1E7633}"/>
+              </a:ext>
+            </a:extLst>
+          </p:cNvPr>
+          <p:cNvSpPr txBox="1"/>
+          <p:nvPr/>
+        </p:nvSpPr>
+        <p:spPr>
+          <a:xfrm>
+            <a:off x="5697415" y="362596"/>
+            <a:ext cx="1233776" cy="523220"/>
+          </a:xfrm>
+          <a:prstGeom prst="rect">
+            <a:avLst/>
+          </a:prstGeom>
+          <a:noFill/>
+          <a:ln>
+            <a:solidFill>
+              <a:schemeClr val="tx1"/>
+            </a:solidFill>
+          </a:ln>
+        </p:spPr>
+        <p:txBody>
+          <a:bodyPr wrap="square" rtlCol="0">
+            <a:spAutoFit/>
+          </a:bodyPr>
+          <a:lstStyle/>
+          <a:p>
+            <a:pPr algn="ctr"/>
+            <a:r>
+              <a:rPr lang="de-DE" sz="2800" spc="600" dirty="0">
+                <a:latin typeface="Corbel Light" panose="020B0303020204020204" pitchFamily="34" charset="0"/>
+              </a:rPr>
+              <a:t>32%</a:t>
+            </a:r>
+          </a:p>
+        </p:txBody>
+      </p:sp>
+      <p:sp>
+        <p:nvSpPr>
+          <p:cNvPr id="12" name="Textfeld 11">
+            <a:extLst>
+              <a:ext uri="{FF2B5EF4-FFF2-40B4-BE49-F238E27FC236}">
+                <a16:creationId xmlns:a16="http://schemas.microsoft.com/office/drawing/2014/main" id="{3DB282F9-9955-4987-A9EC-F59319B64096}"/>
+              </a:ext>
+            </a:extLst>
+          </p:cNvPr>
+          <p:cNvSpPr txBox="1"/>
+          <p:nvPr/>
+        </p:nvSpPr>
+        <p:spPr>
+          <a:xfrm>
+            <a:off x="515890" y="1095288"/>
+            <a:ext cx="11318555" cy="2610843"/>
+          </a:xfrm>
+          <a:prstGeom prst="rect">
+            <a:avLst/>
+          </a:prstGeom>
+          <a:noFill/>
+          <a:ln>
+            <a:solidFill>
+              <a:schemeClr val="tx1"/>
+            </a:solidFill>
+          </a:ln>
+        </p:spPr>
+        <p:txBody>
+          <a:bodyPr wrap="square" rtlCol="0">
+            <a:spAutoFit/>
+          </a:bodyPr>
+          <a:lstStyle/>
+          <a:p>
+            <a:pPr marL="457200" indent="-457200">
+              <a:lnSpc>
+                <a:spcPct val="150000"/>
+              </a:lnSpc>
+              <a:buFont typeface="Courier New" panose="02070309020205020404" pitchFamily="49" charset="0"/>
+              <a:buChar char="o"/>
+            </a:pPr>
+            <a:r>
+              <a:rPr lang="de-DE" sz="2800" spc="600" dirty="0">
+                <a:latin typeface="Corbel Light" panose="020B0303020204020204" pitchFamily="34" charset="0"/>
+              </a:rPr>
+              <a:t>Punkt 1</a:t>
+            </a:r>
+          </a:p>
+          <a:p>
+            <a:pPr marL="457200" indent="-457200">
+              <a:lnSpc>
+                <a:spcPct val="150000"/>
+              </a:lnSpc>
+              <a:buFont typeface="Courier New" panose="02070309020205020404" pitchFamily="49" charset="0"/>
+              <a:buChar char="o"/>
+            </a:pPr>
+            <a:r>
+              <a:rPr lang="de-DE" sz="2800" spc="600" dirty="0">
+                <a:latin typeface="Corbel Light" panose="020B0303020204020204" pitchFamily="34" charset="0"/>
+              </a:rPr>
+              <a:t>Punkt 2</a:t>
+            </a:r>
+          </a:p>
+          <a:p>
+            <a:pPr marL="457200" indent="-457200">
+              <a:lnSpc>
+                <a:spcPct val="150000"/>
+              </a:lnSpc>
+              <a:buFont typeface="Courier New" panose="02070309020205020404" pitchFamily="49" charset="0"/>
+              <a:buChar char="o"/>
+            </a:pPr>
+            <a:r>
+              <a:rPr lang="de-DE" sz="2800" spc="600" dirty="0">
+                <a:latin typeface="Corbel Light" panose="020B0303020204020204" pitchFamily="34" charset="0"/>
+              </a:rPr>
+              <a:t>Punkt 3</a:t>
+            </a:r>
+          </a:p>
+          <a:p>
+            <a:pPr marL="457200" indent="-457200">
+              <a:lnSpc>
+                <a:spcPct val="150000"/>
+              </a:lnSpc>
+              <a:buFont typeface="Courier New" panose="02070309020205020404" pitchFamily="49" charset="0"/>
+              <a:buChar char="o"/>
+            </a:pPr>
+            <a:r>
+              <a:rPr lang="de-DE" sz="2800" spc="600" dirty="0">
+                <a:latin typeface="Corbel Light" panose="020B0303020204020204" pitchFamily="34" charset="0"/>
+              </a:rPr>
+              <a:t>Punkt 4</a:t>
+            </a:r>
+          </a:p>
+        </p:txBody>
+      </p:sp>
+    </p:spTree>
+    <p:extLst>
+      <p:ext uri="{BB962C8B-B14F-4D97-AF65-F5344CB8AC3E}">
+        <p14:creationId xmlns:p14="http://schemas.microsoft.com/office/powerpoint/2010/main" val="129407845"/>
+      </p:ext>
+    </p:extLst>
+  </p:cSld>
+  <p:clrMapOvr>
+    <a:masterClrMapping/>
+  </p:clrMapOvr>
+  <p:transition spd="slow">
+    <p:push dir="u"/>
+  </p:transition>
+</p:sld>
+</file>
+
+<file path=ppt/slides/slide5.xml><?xml version="1.0" encoding="utf-8"?>
+<p:sld xmlns:a="http://schemas.openxmlformats.org/drawingml/2006/main" xmlns:r="http://schemas.openxmlformats.org/officeDocument/2006/relationships" xmlns:p="http://schemas.openxmlformats.org/presentationml/2006/main">
+  <p:cSld>
+    <p:spTree>
+      <p:nvGrpSpPr>
+        <p:cNvPr id="1" name=""/>
+        <p:cNvGrpSpPr/>
+        <p:nvPr/>
+      </p:nvGrpSpPr>
+      <p:grpSpPr>
+        <a:xfrm>
+          <a:off x="0" y="0"/>
+          <a:ext cx="0" cy="0"/>
+          <a:chOff x="0" y="0"/>
+          <a:chExt cx="0" cy="0"/>
+        </a:xfrm>
+      </p:grpSpPr>
+      <p:sp>
+        <p:nvSpPr>
+          <p:cNvPr id="15" name="Textfeld 14">
+            <a:extLst>
+              <a:ext uri="{FF2B5EF4-FFF2-40B4-BE49-F238E27FC236}">
+                <a16:creationId xmlns:a16="http://schemas.microsoft.com/office/drawing/2014/main" id="{EDC0117D-58F4-467D-B022-5970DDCB4994}"/>
+              </a:ext>
+            </a:extLst>
+          </p:cNvPr>
+          <p:cNvSpPr txBox="1"/>
+          <p:nvPr/>
+        </p:nvSpPr>
+        <p:spPr>
+          <a:xfrm>
+            <a:off x="515891" y="362596"/>
+            <a:ext cx="5023184" cy="523220"/>
+          </a:xfrm>
+          <a:prstGeom prst="rect">
+            <a:avLst/>
+          </a:prstGeom>
+          <a:noFill/>
+          <a:ln>
+            <a:solidFill>
+              <a:schemeClr val="tx1"/>
+            </a:solidFill>
+          </a:ln>
+        </p:spPr>
+        <p:txBody>
+          <a:bodyPr wrap="square" rtlCol="0">
+            <a:spAutoFit/>
+          </a:bodyPr>
+          <a:lstStyle/>
+          <a:p>
+            <a:pPr algn="ctr"/>
+            <a:r>
+              <a:rPr lang="de-DE" sz="2800" spc="600" dirty="0">
+                <a:latin typeface="Corbel Light" panose="020B0303020204020204" pitchFamily="34" charset="0"/>
+              </a:rPr>
+              <a:t>Herausforderungen</a:t>
+            </a:r>
+          </a:p>
+        </p:txBody>
+      </p:sp>
+      <p:sp>
+        <p:nvSpPr>
+          <p:cNvPr id="11" name="Textfeld 10">
+            <a:extLst>
+              <a:ext uri="{FF2B5EF4-FFF2-40B4-BE49-F238E27FC236}">
+                <a16:creationId xmlns:a16="http://schemas.microsoft.com/office/drawing/2014/main" id="{BA3042D6-6002-417C-93D0-8FCE3D1E7633}"/>
+              </a:ext>
+            </a:extLst>
+          </p:cNvPr>
+          <p:cNvSpPr txBox="1"/>
+          <p:nvPr/>
+        </p:nvSpPr>
+        <p:spPr>
+          <a:xfrm>
+            <a:off x="5697415" y="362596"/>
+            <a:ext cx="1233776" cy="523220"/>
+          </a:xfrm>
+          <a:prstGeom prst="rect">
+            <a:avLst/>
+          </a:prstGeom>
+          <a:noFill/>
+          <a:ln>
+            <a:solidFill>
+              <a:schemeClr val="tx1"/>
+            </a:solidFill>
+          </a:ln>
+        </p:spPr>
+        <p:txBody>
+          <a:bodyPr wrap="square" rtlCol="0">
+            <a:spAutoFit/>
+          </a:bodyPr>
+          <a:lstStyle/>
+          <a:p>
+            <a:pPr algn="ctr"/>
+            <a:r>
+              <a:rPr lang="de-DE" sz="2800" spc="600" dirty="0">
+                <a:latin typeface="Corbel Light" panose="020B0303020204020204" pitchFamily="34" charset="0"/>
+              </a:rPr>
+              <a:t>32%</a:t>
+            </a:r>
+          </a:p>
+        </p:txBody>
+      </p:sp>
+      <p:sp>
+        <p:nvSpPr>
+          <p:cNvPr id="12" name="Textfeld 11">
+            <a:extLst>
+              <a:ext uri="{FF2B5EF4-FFF2-40B4-BE49-F238E27FC236}">
+                <a16:creationId xmlns:a16="http://schemas.microsoft.com/office/drawing/2014/main" id="{3DB282F9-9955-4987-A9EC-F59319B64096}"/>
+              </a:ext>
+            </a:extLst>
+          </p:cNvPr>
+          <p:cNvSpPr txBox="1"/>
+          <p:nvPr/>
+        </p:nvSpPr>
+        <p:spPr>
+          <a:xfrm>
+            <a:off x="515890" y="1095288"/>
+            <a:ext cx="11318555" cy="2610843"/>
+          </a:xfrm>
+          <a:prstGeom prst="rect">
+            <a:avLst/>
+          </a:prstGeom>
+          <a:noFill/>
+          <a:ln>
+            <a:solidFill>
+              <a:schemeClr val="tx1"/>
+            </a:solidFill>
+          </a:ln>
+        </p:spPr>
+        <p:txBody>
+          <a:bodyPr wrap="square" rtlCol="0">
+            <a:spAutoFit/>
+          </a:bodyPr>
+          <a:lstStyle/>
+          <a:p>
+            <a:pPr marL="457200" indent="-457200">
+              <a:lnSpc>
+                <a:spcPct val="150000"/>
+              </a:lnSpc>
+              <a:buFont typeface="Courier New" panose="02070309020205020404" pitchFamily="49" charset="0"/>
+              <a:buChar char="o"/>
+            </a:pPr>
+            <a:r>
+              <a:rPr lang="de-DE" sz="2800" spc="600" dirty="0">
+                <a:latin typeface="Corbel Light" panose="020B0303020204020204" pitchFamily="34" charset="0"/>
+              </a:rPr>
+              <a:t>Punkt 1</a:t>
+            </a:r>
+          </a:p>
+          <a:p>
+            <a:pPr marL="457200" indent="-457200">
+              <a:lnSpc>
+                <a:spcPct val="150000"/>
+              </a:lnSpc>
+              <a:buFont typeface="Courier New" panose="02070309020205020404" pitchFamily="49" charset="0"/>
+              <a:buChar char="o"/>
+            </a:pPr>
+            <a:r>
+              <a:rPr lang="de-DE" sz="2800" spc="600" dirty="0">
+                <a:latin typeface="Corbel Light" panose="020B0303020204020204" pitchFamily="34" charset="0"/>
+              </a:rPr>
+              <a:t>Punkt 2</a:t>
+            </a:r>
+          </a:p>
+          <a:p>
+            <a:pPr marL="457200" indent="-457200">
+              <a:lnSpc>
+                <a:spcPct val="150000"/>
+              </a:lnSpc>
+              <a:buFont typeface="Courier New" panose="02070309020205020404" pitchFamily="49" charset="0"/>
+              <a:buChar char="o"/>
+            </a:pPr>
+            <a:r>
+              <a:rPr lang="de-DE" sz="2800" spc="600" dirty="0">
+                <a:latin typeface="Corbel Light" panose="020B0303020204020204" pitchFamily="34" charset="0"/>
+              </a:rPr>
+              <a:t>Punkt 3</a:t>
+            </a:r>
+          </a:p>
+          <a:p>
+            <a:pPr marL="457200" indent="-457200">
+              <a:lnSpc>
+                <a:spcPct val="150000"/>
+              </a:lnSpc>
+              <a:buFont typeface="Courier New" panose="02070309020205020404" pitchFamily="49" charset="0"/>
+              <a:buChar char="o"/>
+            </a:pPr>
+            <a:r>
+              <a:rPr lang="de-DE" sz="2800" spc="600" dirty="0">
+                <a:latin typeface="Corbel Light" panose="020B0303020204020204" pitchFamily="34" charset="0"/>
+              </a:rPr>
+              <a:t>Punkt 4</a:t>
+            </a:r>
+          </a:p>
+        </p:txBody>
+      </p:sp>
+    </p:spTree>
+    <p:extLst>
+      <p:ext uri="{BB962C8B-B14F-4D97-AF65-F5344CB8AC3E}">
+        <p14:creationId xmlns:p14="http://schemas.microsoft.com/office/powerpoint/2010/main" val="4170590430"/>
+      </p:ext>
+    </p:extLst>
+  </p:cSld>
+  <p:clrMapOvr>
+    <a:masterClrMapping/>
+  </p:clrMapOvr>
+  <p:transition spd="slow">
+    <p:push dir="u"/>
+  </p:transition>
+</p:sld>
+</file>
+
+<file path=ppt/slides/slide6.xml><?xml version="1.0" encoding="utf-8"?>
+<p:sld xmlns:a="http://schemas.openxmlformats.org/drawingml/2006/main" xmlns:r="http://schemas.openxmlformats.org/officeDocument/2006/relationships" xmlns:p="http://schemas.openxmlformats.org/presentationml/2006/main">
+  <p:cSld>
+    <p:spTree>
+      <p:nvGrpSpPr>
+        <p:cNvPr id="1" name=""/>
+        <p:cNvGrpSpPr/>
+        <p:nvPr/>
+      </p:nvGrpSpPr>
+      <p:grpSpPr>
+        <a:xfrm>
+          <a:off x="0" y="0"/>
+          <a:ext cx="0" cy="0"/>
+          <a:chOff x="0" y="0"/>
+          <a:chExt cx="0" cy="0"/>
+        </a:xfrm>
+      </p:grpSpPr>
+      <p:sp>
+        <p:nvSpPr>
+          <p:cNvPr id="15" name="Textfeld 14">
+            <a:extLst>
+              <a:ext uri="{FF2B5EF4-FFF2-40B4-BE49-F238E27FC236}">
+                <a16:creationId xmlns:a16="http://schemas.microsoft.com/office/drawing/2014/main" id="{EDC0117D-58F4-467D-B022-5970DDCB4994}"/>
+              </a:ext>
+            </a:extLst>
+          </p:cNvPr>
+          <p:cNvSpPr txBox="1"/>
+          <p:nvPr/>
+        </p:nvSpPr>
+        <p:spPr>
+          <a:xfrm>
+            <a:off x="515891" y="362596"/>
+            <a:ext cx="5023184" cy="523220"/>
+          </a:xfrm>
+          <a:prstGeom prst="rect">
+            <a:avLst/>
+          </a:prstGeom>
+          <a:noFill/>
+          <a:ln>
+            <a:solidFill>
+              <a:schemeClr val="tx1"/>
+            </a:solidFill>
+          </a:ln>
+        </p:spPr>
+        <p:txBody>
+          <a:bodyPr wrap="square" rtlCol="0">
+            <a:spAutoFit/>
+          </a:bodyPr>
+          <a:lstStyle/>
+          <a:p>
+            <a:pPr algn="ctr"/>
+            <a:r>
+              <a:rPr lang="de-DE" sz="2800" spc="600" dirty="0">
+                <a:latin typeface="Corbel Light" panose="020B0303020204020204" pitchFamily="34" charset="0"/>
+              </a:rPr>
+              <a:t>Fazit</a:t>
+            </a:r>
+          </a:p>
+        </p:txBody>
+      </p:sp>
+      <p:sp>
+        <p:nvSpPr>
+          <p:cNvPr id="12" name="Textfeld 11">
+            <a:extLst>
+              <a:ext uri="{FF2B5EF4-FFF2-40B4-BE49-F238E27FC236}">
+                <a16:creationId xmlns:a16="http://schemas.microsoft.com/office/drawing/2014/main" id="{3DB282F9-9955-4987-A9EC-F59319B64096}"/>
+              </a:ext>
+            </a:extLst>
+          </p:cNvPr>
+          <p:cNvSpPr txBox="1"/>
+          <p:nvPr/>
+        </p:nvSpPr>
+        <p:spPr>
+          <a:xfrm>
+            <a:off x="515890" y="1095288"/>
+            <a:ext cx="11318555" cy="2610843"/>
+          </a:xfrm>
+          <a:prstGeom prst="rect">
+            <a:avLst/>
+          </a:prstGeom>
+          <a:noFill/>
+          <a:ln>
+            <a:solidFill>
+              <a:schemeClr val="tx1"/>
+            </a:solidFill>
+          </a:ln>
+        </p:spPr>
+        <p:txBody>
+          <a:bodyPr wrap="square" rtlCol="0">
+            <a:spAutoFit/>
+          </a:bodyPr>
+          <a:lstStyle/>
+          <a:p>
+            <a:pPr marL="457200" indent="-457200">
+              <a:lnSpc>
+                <a:spcPct val="150000"/>
+              </a:lnSpc>
+              <a:buFont typeface="Courier New" panose="02070309020205020404" pitchFamily="49" charset="0"/>
+              <a:buChar char="o"/>
+            </a:pPr>
+            <a:r>
+              <a:rPr lang="de-DE" sz="2800" spc="600" dirty="0">
+                <a:latin typeface="Corbel Light" panose="020B0303020204020204" pitchFamily="34" charset="0"/>
+              </a:rPr>
+              <a:t>Punkt 1</a:t>
+            </a:r>
+          </a:p>
+          <a:p>
+            <a:pPr marL="457200" indent="-457200">
+              <a:lnSpc>
+                <a:spcPct val="150000"/>
+              </a:lnSpc>
+              <a:buFont typeface="Courier New" panose="02070309020205020404" pitchFamily="49" charset="0"/>
+              <a:buChar char="o"/>
+            </a:pPr>
+            <a:r>
+              <a:rPr lang="de-DE" sz="2800" spc="600" dirty="0">
+                <a:latin typeface="Corbel Light" panose="020B0303020204020204" pitchFamily="34" charset="0"/>
+              </a:rPr>
+              <a:t>Punkt 2</a:t>
+            </a:r>
+          </a:p>
+          <a:p>
+            <a:pPr marL="457200" indent="-457200">
+              <a:lnSpc>
+                <a:spcPct val="150000"/>
+              </a:lnSpc>
+              <a:buFont typeface="Courier New" panose="02070309020205020404" pitchFamily="49" charset="0"/>
+              <a:buChar char="o"/>
+            </a:pPr>
+            <a:r>
+              <a:rPr lang="de-DE" sz="2800" spc="600" dirty="0">
+                <a:latin typeface="Corbel Light" panose="020B0303020204020204" pitchFamily="34" charset="0"/>
+              </a:rPr>
+              <a:t>Punkt 3</a:t>
+            </a:r>
+          </a:p>
+          <a:p>
+            <a:pPr marL="457200" indent="-457200">
+              <a:lnSpc>
+                <a:spcPct val="150000"/>
+              </a:lnSpc>
+              <a:buFont typeface="Courier New" panose="02070309020205020404" pitchFamily="49" charset="0"/>
+              <a:buChar char="o"/>
+            </a:pPr>
+            <a:r>
+              <a:rPr lang="de-DE" sz="2800" spc="600" dirty="0">
+                <a:latin typeface="Corbel Light" panose="020B0303020204020204" pitchFamily="34" charset="0"/>
+              </a:rPr>
+              <a:t>Punkt 4</a:t>
+            </a:r>
+          </a:p>
+        </p:txBody>
+      </p:sp>
+    </p:spTree>
+    <p:extLst>
+      <p:ext uri="{BB962C8B-B14F-4D97-AF65-F5344CB8AC3E}">
+        <p14:creationId xmlns:p14="http://schemas.microsoft.com/office/powerpoint/2010/main" val="82320379"/>
+      </p:ext>
+    </p:extLst>
+  </p:cSld>
+  <p:clrMapOvr>
+    <a:masterClrMapping/>
+  </p:clrMapOvr>
+  <p:transition spd="slow">
+    <p:push dir="u"/>
+  </p:transition>
+</p:sld>
+</file>
+
+<file path=ppt/slides/slide7.xml><?xml version="1.0" encoding="utf-8"?>
 <p:sld xmlns:a="http://schemas.openxmlformats.org/drawingml/2006/main" xmlns:r="http://schemas.openxmlformats.org/officeDocument/2006/relationships" xmlns:p="http://schemas.openxmlformats.org/presentationml/2006/main">
   <p:cSld>
     <p:spTree>
